--- a/22-09-2024 -BCCD Git GUI.pptx
+++ b/22-09-2024 -BCCD Git GUI.pptx
@@ -13793,8 +13793,8 @@
         </p:nvSpPr>
         <p:spPr>
           <a:xfrm>
-            <a:off x="258260" y="1556793"/>
-            <a:ext cx="8706228" cy="5026570"/>
+            <a:off x="258260" y="1556792"/>
+            <a:ext cx="8706228" cy="5301207"/>
           </a:xfrm>
           <a:prstGeom prst="rect">
             <a:avLst/>
@@ -13823,13 +13823,110 @@
               <a:buChar char="q"/>
             </a:pPr>
             <a:r>
-              <a:rPr lang="en-US" sz="2000">
+              <a:rPr lang="en-US" sz="2400">
                 <a:solidFill>
                   <a:srgbClr val="0000FF"/>
                 </a:solidFill>
               </a:rPr>
-              <a:t>Git GUI là một công cụ mạnh mẽ và tiện lợi cho việc quản lý mã nguồn phần mềm, đặc biệt là trong các dự án có nhiều lập trình viên tham gia</a:t>
-            </a:r>
+              <a:t>Git GUI là một công cụ mạnh mẽ và tiện lợi cho việc quản lý mã nguồn phần mềm, đặc biệt là trong các dự án có nhiều lập trình viên tham gia;</a:t>
+            </a:r>
+          </a:p>
+          <a:p>
+            <a:pPr marL="419100" indent="-342900" algn="just">
+              <a:lnSpc>
+                <a:spcPct val="150000"/>
+              </a:lnSpc>
+              <a:spcBef>
+                <a:spcPts val="600"/>
+              </a:spcBef>
+              <a:spcAft>
+                <a:spcPts val="600"/>
+              </a:spcAft>
+              <a:buClr>
+                <a:srgbClr val="0000FF"/>
+              </a:buClr>
+              <a:buFont typeface="Wingdings" panose="05000000000000000000" pitchFamily="2" charset="2"/>
+              <a:buChar char="q"/>
+            </a:pPr>
+            <a:r>
+              <a:rPr lang="vi-VN" sz="2400">
+                <a:solidFill>
+                  <a:srgbClr val="0000FF"/>
+                </a:solidFill>
+              </a:rPr>
+              <a:t>Git GUI giúp đơn giản hóa quy trình phát triển phần mềm và đảm bảo tính chính xác, hiệu quả trong quản lý mã nguồn</a:t>
+            </a:r>
+            <a:r>
+              <a:rPr lang="en-US" sz="2400">
+                <a:solidFill>
+                  <a:srgbClr val="0000FF"/>
+                </a:solidFill>
+              </a:rPr>
+              <a:t>;</a:t>
+            </a:r>
+          </a:p>
+          <a:p>
+            <a:pPr marL="419100" indent="-342900" algn="just">
+              <a:lnSpc>
+                <a:spcPct val="150000"/>
+              </a:lnSpc>
+              <a:spcBef>
+                <a:spcPts val="600"/>
+              </a:spcBef>
+              <a:spcAft>
+                <a:spcPts val="600"/>
+              </a:spcAft>
+              <a:buClr>
+                <a:srgbClr val="0000FF"/>
+              </a:buClr>
+              <a:buFont typeface="Wingdings" panose="05000000000000000000" pitchFamily="2" charset="2"/>
+              <a:buChar char="q"/>
+            </a:pPr>
+            <a:r>
+              <a:rPr lang="vi-VN" sz="2400">
+                <a:solidFill>
+                  <a:srgbClr val="0000FF"/>
+                </a:solidFill>
+              </a:rPr>
+              <a:t>Git GUI không chỉ giúp lập trình viên làm việc hiệu quả hơn mà còn nâng cao khả năng cộng tác</a:t>
+            </a:r>
+            <a:r>
+              <a:rPr lang="en-US" sz="2400">
+                <a:solidFill>
+                  <a:srgbClr val="0000FF"/>
+                </a:solidFill>
+              </a:rPr>
+              <a:t> làm việc nhóm</a:t>
+            </a:r>
+            <a:r>
+              <a:rPr lang="vi-VN" sz="2400">
+                <a:solidFill>
+                  <a:srgbClr val="0000FF"/>
+                </a:solidFill>
+              </a:rPr>
+              <a:t> </a:t>
+            </a:r>
+            <a:r>
+              <a:rPr lang="en-US" sz="2400">
+                <a:solidFill>
+                  <a:srgbClr val="0000FF"/>
+                </a:solidFill>
+              </a:rPr>
+              <a:t>để nâng cao</a:t>
+            </a:r>
+            <a:r>
+              <a:rPr lang="vi-VN" sz="2400">
+                <a:solidFill>
+                  <a:srgbClr val="0000FF"/>
+                </a:solidFill>
+              </a:rPr>
+              <a:t> chất lượng của sản phẩm phần mềm.</a:t>
+            </a:r>
+            <a:endParaRPr lang="en-US" sz="2400">
+              <a:solidFill>
+                <a:srgbClr val="0000FF"/>
+              </a:solidFill>
+            </a:endParaRPr>
           </a:p>
         </p:txBody>
       </p:sp>
@@ -13943,7 +14040,7 @@
               <a:buNone/>
             </a:pPr>
             <a:r>
-              <a:rPr lang="vi-VN" sz="3200">
+              <a:rPr lang="vi-VN" sz="2800">
                 <a:solidFill>
                   <a:srgbClr val="0083E6"/>
                 </a:solidFill>
@@ -13951,7 +14048,7 @@
               <a:t>[1] 	 </a:t>
             </a:r>
             <a:r>
-              <a:rPr lang="en-US" sz="3200">
+              <a:rPr lang="en-US" sz="2800">
                 <a:solidFill>
                   <a:srgbClr val="0083E6"/>
                 </a:solidFill>
@@ -13970,12 +14067,45 @@
               <a:buNone/>
             </a:pPr>
             <a:r>
-              <a:rPr lang="en-US" sz="3200">
+              <a:rPr lang="en-US" sz="2800">
                 <a:solidFill>
                   <a:srgbClr val="0083E6"/>
                 </a:solidFill>
               </a:rPr>
-              <a:t>[2] 	https://education.github.com/git-cheat-sheet-education.pdf</a:t>
+              <a:t>[2] 	</a:t>
+            </a:r>
+            <a:r>
+              <a:rPr lang="en-US" sz="2800">
+                <a:solidFill>
+                  <a:srgbClr val="0083E6"/>
+                </a:solidFill>
+                <a:hlinkClick r:id="rId3"/>
+              </a:rPr>
+              <a:t>https://education.github.com/git-cheat-sheet-education.pdf</a:t>
+            </a:r>
+            <a:endParaRPr lang="en-US" sz="2800">
+              <a:solidFill>
+                <a:srgbClr val="0083E6"/>
+              </a:solidFill>
+            </a:endParaRPr>
+          </a:p>
+          <a:p>
+            <a:pPr marL="76200" algn="just">
+              <a:lnSpc>
+                <a:spcPct val="200000"/>
+              </a:lnSpc>
+              <a:buClr>
+                <a:srgbClr val="0000FF"/>
+              </a:buClr>
+              <a:buNone/>
+            </a:pPr>
+            <a:r>
+              <a:rPr lang="en-US" sz="2800">
+                <a:solidFill>
+                  <a:srgbClr val="0083E6"/>
+                </a:solidFill>
+              </a:rPr>
+              <a:t>[3] 	https://git-scm.com/</a:t>
             </a:r>
           </a:p>
           <a:p>
